--- a/Shruti_Heartflow_ProgrammingExercise.pptx
+++ b/Shruti_Heartflow_ProgrammingExercise.pptx
@@ -20832,7 +20832,7 @@
                   <a:srgbClr val="0A6790"/>
                 </a:solidFill>
               </a:rPr>
-              <a:t>152</a:t>
+              <a:t>175</a:t>
             </a:r>
             <a:r>
               <a:rPr lang="en-US" dirty="0"/>
@@ -21040,7 +21040,7 @@
                   <a:srgbClr val="0A6790"/>
                 </a:solidFill>
               </a:rPr>
-              <a:t>144</a:t>
+              <a:t>148</a:t>
             </a:r>
             <a:r>
               <a:rPr lang="en-US" dirty="0"/>
@@ -21561,7 +21561,7 @@
                   <a:srgbClr val="0A6790"/>
                 </a:solidFill>
               </a:rPr>
-              <a:t>188</a:t>
+              <a:t>191</a:t>
             </a:r>
             <a:r>
               <a:rPr lang="en-US" dirty="0"/>
@@ -21786,7 +21786,7 @@
                   <a:srgbClr val="0A6790"/>
                 </a:solidFill>
               </a:rPr>
-              <a:t>194</a:t>
+              <a:t>240</a:t>
             </a:r>
             <a:r>
               <a:rPr lang="en-US" dirty="0"/>
@@ -22318,7 +22318,7 @@
           <p:nvPr>
             <p:extLst>
               <p:ext uri="{D42A27DB-BD31-4B8C-83A1-F6EECF244321}">
-                <p14:modId xmlns:p14="http://schemas.microsoft.com/office/powerpoint/2010/main" val="3578440608"/>
+                <p14:modId xmlns:p14="http://schemas.microsoft.com/office/powerpoint/2010/main" val="4286487106"/>
               </p:ext>
             </p:extLst>
           </p:nvPr>
@@ -22561,7 +22561,7 @@
                           <a:ea typeface="+mn-ea"/>
                           <a:cs typeface="+mn-cs"/>
                         </a:rPr>
-                        <a:t>144</a:t>
+                        <a:t>148</a:t>
                       </a:r>
                     </a:p>
                   </a:txBody>
@@ -22695,7 +22695,7 @@
                           <a:ea typeface="+mn-ea"/>
                           <a:cs typeface="+mn-cs"/>
                         </a:rPr>
-                        <a:t>152</a:t>
+                        <a:t>175</a:t>
                       </a:r>
                     </a:p>
                   </a:txBody>
@@ -22852,7 +22852,7 @@
                           <a:ea typeface="+mn-ea"/>
                           <a:cs typeface="+mn-cs"/>
                         </a:rPr>
-                        <a:t>188</a:t>
+                        <a:t>191</a:t>
                       </a:r>
                     </a:p>
                   </a:txBody>
@@ -23016,7 +23016,7 @@
                           <a:ea typeface="+mn-ea"/>
                           <a:cs typeface="+mn-cs"/>
                         </a:rPr>
-                        <a:t>194</a:t>
+                        <a:t>240</a:t>
                       </a:r>
                     </a:p>
                   </a:txBody>

--- a/Shruti_Heartflow_ProgrammingExercise.pptx
+++ b/Shruti_Heartflow_ProgrammingExercise.pptx
@@ -3621,7 +3621,7 @@
   </dgm:whole>
   <dgm:extLst>
     <a:ext uri="http://schemas.microsoft.com/office/drawing/2008/diagram">
-      <dsp:dataModelExt xmlns:dsp="http://schemas.microsoft.com/office/drawing/2008/diagram" relId="rId6" minVer="http://schemas.openxmlformats.org/drawingml/2006/diagram"/>
+      <dsp:dataModelExt xmlns:dsp="http://schemas.microsoft.com/office/drawing/2008/diagram" relId="rId7" minVer="http://schemas.openxmlformats.org/drawingml/2006/diagram"/>
     </a:ext>
   </dgm:extLst>
 </dgm:dataModel>
@@ -3846,7 +3846,7 @@
   <dgm:whole/>
   <dgm:extLst>
     <a:ext uri="http://schemas.microsoft.com/office/drawing/2008/diagram">
-      <dsp:dataModelExt xmlns:dsp="http://schemas.microsoft.com/office/drawing/2008/diagram" relId="rId11" minVer="http://schemas.openxmlformats.org/drawingml/2006/diagram"/>
+      <dsp:dataModelExt xmlns:dsp="http://schemas.microsoft.com/office/drawing/2008/diagram" relId="rId12" minVer="http://schemas.openxmlformats.org/drawingml/2006/diagram"/>
     </a:ext>
   </dgm:extLst>
 </dgm:dataModel>
@@ -4090,7 +4090,7 @@
   <dgm:whole/>
   <dgm:extLst>
     <a:ext uri="http://schemas.microsoft.com/office/drawing/2008/diagram">
-      <dsp:dataModelExt xmlns:dsp="http://schemas.microsoft.com/office/drawing/2008/diagram" relId="rId6" minVer="http://schemas.openxmlformats.org/drawingml/2006/diagram"/>
+      <dsp:dataModelExt xmlns:dsp="http://schemas.microsoft.com/office/drawing/2008/diagram" relId="rId7" minVer="http://schemas.openxmlformats.org/drawingml/2006/diagram"/>
     </a:ext>
   </dgm:extLst>
 </dgm:dataModel>
@@ -4324,7 +4324,7 @@
   <dgm:whole/>
   <dgm:extLst>
     <a:ext uri="http://schemas.microsoft.com/office/drawing/2008/diagram">
-      <dsp:dataModelExt xmlns:dsp="http://schemas.microsoft.com/office/drawing/2008/diagram" relId="rId11" minVer="http://schemas.openxmlformats.org/drawingml/2006/diagram"/>
+      <dsp:dataModelExt xmlns:dsp="http://schemas.microsoft.com/office/drawing/2008/diagram" relId="rId12" minVer="http://schemas.openxmlformats.org/drawingml/2006/diagram"/>
     </a:ext>
   </dgm:extLst>
 </dgm:dataModel>
@@ -11132,6 +11132,314 @@
 </p:notesMaster>
 </file>
 
+<file path=ppt/notesSlides/notesSlide1.xml><?xml version="1.0" encoding="utf-8"?>
+<p:notes xmlns:a="http://schemas.openxmlformats.org/drawingml/2006/main" xmlns:r="http://schemas.openxmlformats.org/officeDocument/2006/relationships" xmlns:p="http://schemas.openxmlformats.org/presentationml/2006/main">
+  <p:cSld>
+    <p:spTree>
+      <p:nvGrpSpPr>
+        <p:cNvPr id="1" name=""/>
+        <p:cNvGrpSpPr/>
+        <p:nvPr/>
+      </p:nvGrpSpPr>
+      <p:grpSpPr>
+        <a:xfrm>
+          <a:off x="0" y="0"/>
+          <a:ext cx="0" cy="0"/>
+          <a:chOff x="0" y="0"/>
+          <a:chExt cx="0" cy="0"/>
+        </a:xfrm>
+      </p:grpSpPr>
+      <p:sp>
+        <p:nvSpPr>
+          <p:cNvPr id="2" name="Slide Image Placeholder 1"/>
+          <p:cNvSpPr>
+            <a:spLocks noGrp="1" noRot="1" noChangeAspect="1"/>
+          </p:cNvSpPr>
+          <p:nvPr>
+            <p:ph type="sldImg"/>
+          </p:nvPr>
+        </p:nvSpPr>
+        <p:spPr/>
+      </p:sp>
+      <p:sp>
+        <p:nvSpPr>
+          <p:cNvPr id="3" name="Notes Placeholder 2"/>
+          <p:cNvSpPr>
+            <a:spLocks noGrp="1"/>
+          </p:cNvSpPr>
+          <p:nvPr>
+            <p:ph type="body" idx="1"/>
+          </p:nvPr>
+        </p:nvSpPr>
+        <p:spPr/>
+        <p:txBody>
+          <a:bodyPr/>
+          <a:lstStyle/>
+          <a:p>
+            <a:r>
+              <a:rPr lang="en-US" dirty="0"/>
+              <a:t>For: lines_286.txt file</a:t>
+            </a:r>
+          </a:p>
+        </p:txBody>
+      </p:sp>
+      <p:sp>
+        <p:nvSpPr>
+          <p:cNvPr id="4" name="Slide Number Placeholder 3"/>
+          <p:cNvSpPr>
+            <a:spLocks noGrp="1"/>
+          </p:cNvSpPr>
+          <p:nvPr>
+            <p:ph type="sldNum" sz="quarter" idx="5"/>
+          </p:nvPr>
+        </p:nvSpPr>
+        <p:spPr/>
+        <p:txBody>
+          <a:bodyPr/>
+          <a:lstStyle/>
+          <a:p>
+            <a:fld id="{E92C3B67-E770-0842-A7D5-53DB47244E1D}" type="slidenum">
+              <a:rPr lang="en-US" smtClean="0"/>
+              <a:pPr/>
+              <a:t>6</a:t>
+            </a:fld>
+            <a:endParaRPr lang="en-US"/>
+          </a:p>
+        </p:txBody>
+      </p:sp>
+    </p:spTree>
+    <p:extLst>
+      <p:ext uri="{BB962C8B-B14F-4D97-AF65-F5344CB8AC3E}">
+        <p14:creationId xmlns:p14="http://schemas.microsoft.com/office/powerpoint/2010/main" val="2370629964"/>
+      </p:ext>
+    </p:extLst>
+  </p:cSld>
+  <p:clrMapOvr>
+    <a:masterClrMapping/>
+  </p:clrMapOvr>
+</p:notes>
+</file>
+
+<file path=ppt/notesSlides/notesSlide2.xml><?xml version="1.0" encoding="utf-8"?>
+<p:notes xmlns:a="http://schemas.openxmlformats.org/drawingml/2006/main" xmlns:r="http://schemas.openxmlformats.org/officeDocument/2006/relationships" xmlns:p="http://schemas.openxmlformats.org/presentationml/2006/main">
+  <p:cSld>
+    <p:spTree>
+      <p:nvGrpSpPr>
+        <p:cNvPr id="1" name=""/>
+        <p:cNvGrpSpPr/>
+        <p:nvPr/>
+      </p:nvGrpSpPr>
+      <p:grpSpPr>
+        <a:xfrm>
+          <a:off x="0" y="0"/>
+          <a:ext cx="0" cy="0"/>
+          <a:chOff x="0" y="0"/>
+          <a:chExt cx="0" cy="0"/>
+        </a:xfrm>
+      </p:grpSpPr>
+      <p:sp>
+        <p:nvSpPr>
+          <p:cNvPr id="2" name="Slide Image Placeholder 1"/>
+          <p:cNvSpPr>
+            <a:spLocks noGrp="1" noRot="1" noChangeAspect="1"/>
+          </p:cNvSpPr>
+          <p:nvPr>
+            <p:ph type="sldImg"/>
+          </p:nvPr>
+        </p:nvSpPr>
+        <p:spPr/>
+      </p:sp>
+      <p:sp>
+        <p:nvSpPr>
+          <p:cNvPr id="3" name="Notes Placeholder 2"/>
+          <p:cNvSpPr>
+            <a:spLocks noGrp="1"/>
+          </p:cNvSpPr>
+          <p:nvPr>
+            <p:ph type="body" idx="1"/>
+          </p:nvPr>
+        </p:nvSpPr>
+        <p:spPr/>
+        <p:txBody>
+          <a:bodyPr/>
+          <a:lstStyle/>
+          <a:p>
+            <a:pPr marL="0" marR="0" lvl="0" indent="0" algn="l" defTabSz="457200" rtl="0" eaLnBrk="1" fontAlgn="auto" latinLnBrk="0" hangingPunct="1">
+              <a:lnSpc>
+                <a:spcPct val="100000"/>
+              </a:lnSpc>
+              <a:spcBef>
+                <a:spcPts val="0"/>
+              </a:spcBef>
+              <a:spcAft>
+                <a:spcPts val="0"/>
+              </a:spcAft>
+              <a:buClrTx/>
+              <a:buSzTx/>
+              <a:buFontTx/>
+              <a:buNone/>
+              <a:tabLst/>
+              <a:defRPr/>
+            </a:pPr>
+            <a:r>
+              <a:rPr lang="en-US" dirty="0"/>
+              <a:t>For: lines_286.txt file</a:t>
+            </a:r>
+          </a:p>
+          <a:p>
+            <a:endParaRPr lang="en-US" dirty="0"/>
+          </a:p>
+        </p:txBody>
+      </p:sp>
+      <p:sp>
+        <p:nvSpPr>
+          <p:cNvPr id="4" name="Slide Number Placeholder 3"/>
+          <p:cNvSpPr>
+            <a:spLocks noGrp="1"/>
+          </p:cNvSpPr>
+          <p:nvPr>
+            <p:ph type="sldNum" sz="quarter" idx="5"/>
+          </p:nvPr>
+        </p:nvSpPr>
+        <p:spPr/>
+        <p:txBody>
+          <a:bodyPr/>
+          <a:lstStyle/>
+          <a:p>
+            <a:fld id="{E92C3B67-E770-0842-A7D5-53DB47244E1D}" type="slidenum">
+              <a:rPr lang="en-US" smtClean="0"/>
+              <a:pPr/>
+              <a:t>7</a:t>
+            </a:fld>
+            <a:endParaRPr lang="en-US"/>
+          </a:p>
+        </p:txBody>
+      </p:sp>
+    </p:spTree>
+    <p:extLst>
+      <p:ext uri="{BB962C8B-B14F-4D97-AF65-F5344CB8AC3E}">
+        <p14:creationId xmlns:p14="http://schemas.microsoft.com/office/powerpoint/2010/main" val="936042388"/>
+      </p:ext>
+    </p:extLst>
+  </p:cSld>
+  <p:clrMapOvr>
+    <a:masterClrMapping/>
+  </p:clrMapOvr>
+</p:notes>
+</file>
+
+<file path=ppt/notesSlides/notesSlide3.xml><?xml version="1.0" encoding="utf-8"?>
+<p:notes xmlns:a="http://schemas.openxmlformats.org/drawingml/2006/main" xmlns:r="http://schemas.openxmlformats.org/officeDocument/2006/relationships" xmlns:p="http://schemas.openxmlformats.org/presentationml/2006/main">
+  <p:cSld>
+    <p:spTree>
+      <p:nvGrpSpPr>
+        <p:cNvPr id="1" name=""/>
+        <p:cNvGrpSpPr/>
+        <p:nvPr/>
+      </p:nvGrpSpPr>
+      <p:grpSpPr>
+        <a:xfrm>
+          <a:off x="0" y="0"/>
+          <a:ext cx="0" cy="0"/>
+          <a:chOff x="0" y="0"/>
+          <a:chExt cx="0" cy="0"/>
+        </a:xfrm>
+      </p:grpSpPr>
+      <p:sp>
+        <p:nvSpPr>
+          <p:cNvPr id="2" name="Slide Image Placeholder 1"/>
+          <p:cNvSpPr>
+            <a:spLocks noGrp="1" noRot="1" noChangeAspect="1"/>
+          </p:cNvSpPr>
+          <p:nvPr>
+            <p:ph type="sldImg"/>
+          </p:nvPr>
+        </p:nvSpPr>
+        <p:spPr/>
+      </p:sp>
+      <p:sp>
+        <p:nvSpPr>
+          <p:cNvPr id="3" name="Notes Placeholder 2"/>
+          <p:cNvSpPr>
+            <a:spLocks noGrp="1"/>
+          </p:cNvSpPr>
+          <p:nvPr>
+            <p:ph type="body" idx="1"/>
+          </p:nvPr>
+        </p:nvSpPr>
+        <p:spPr/>
+        <p:txBody>
+          <a:bodyPr/>
+          <a:lstStyle/>
+          <a:p>
+            <a:pPr marL="0" marR="0" lvl="0" indent="0" algn="l" defTabSz="457200" rtl="0" eaLnBrk="1" fontAlgn="auto" latinLnBrk="0" hangingPunct="1">
+              <a:lnSpc>
+                <a:spcPct val="100000"/>
+              </a:lnSpc>
+              <a:spcBef>
+                <a:spcPts val="0"/>
+              </a:spcBef>
+              <a:spcAft>
+                <a:spcPts val="0"/>
+              </a:spcAft>
+              <a:buClrTx/>
+              <a:buSzTx/>
+              <a:buFontTx/>
+              <a:buNone/>
+              <a:tabLst/>
+              <a:defRPr/>
+            </a:pPr>
+            <a:r>
+              <a:rPr lang="en-US"/>
+              <a:t>For: lines</a:t>
+            </a:r>
+            <a:r>
+              <a:rPr lang="en-US" dirty="0"/>
+              <a:t>_286.txt file</a:t>
+            </a:r>
+          </a:p>
+          <a:p>
+            <a:endParaRPr lang="en-US" dirty="0"/>
+          </a:p>
+        </p:txBody>
+      </p:sp>
+      <p:sp>
+        <p:nvSpPr>
+          <p:cNvPr id="4" name="Slide Number Placeholder 3"/>
+          <p:cNvSpPr>
+            <a:spLocks noGrp="1"/>
+          </p:cNvSpPr>
+          <p:nvPr>
+            <p:ph type="sldNum" sz="quarter" idx="5"/>
+          </p:nvPr>
+        </p:nvSpPr>
+        <p:spPr/>
+        <p:txBody>
+          <a:bodyPr/>
+          <a:lstStyle/>
+          <a:p>
+            <a:fld id="{E92C3B67-E770-0842-A7D5-53DB47244E1D}" type="slidenum">
+              <a:rPr lang="en-US" smtClean="0"/>
+              <a:pPr/>
+              <a:t>8</a:t>
+            </a:fld>
+            <a:endParaRPr lang="en-US"/>
+          </a:p>
+        </p:txBody>
+      </p:sp>
+    </p:spTree>
+    <p:extLst>
+      <p:ext uri="{BB962C8B-B14F-4D97-AF65-F5344CB8AC3E}">
+        <p14:creationId xmlns:p14="http://schemas.microsoft.com/office/powerpoint/2010/main" val="31019743"/>
+      </p:ext>
+    </p:extLst>
+  </p:cSld>
+  <p:clrMapOvr>
+    <a:masterClrMapping/>
+  </p:clrMapOvr>
+</p:notes>
+</file>
+
 <file path=ppt/slideLayouts/slideLayout1.xml><?xml version="1.0" encoding="utf-8"?>
 <p:sldLayout xmlns:a="http://schemas.openxmlformats.org/drawingml/2006/main" xmlns:r="http://schemas.openxmlformats.org/officeDocument/2006/relationships" xmlns:p="http://schemas.openxmlformats.org/presentationml/2006/main" type="title" preserve="1">
   <p:cSld name="Title Slide">
@@ -21142,7 +21450,7 @@
         </p:xfrm>
         <a:graphic>
           <a:graphicData uri="http://schemas.openxmlformats.org/drawingml/2006/diagram">
-            <dgm:relIds xmlns:dgm="http://schemas.openxmlformats.org/drawingml/2006/diagram" xmlns:r="http://schemas.openxmlformats.org/officeDocument/2006/relationships" r:dm="rId2" r:lo="rId3" r:qs="rId4" r:cs="rId5"/>
+            <dgm:relIds xmlns:dgm="http://schemas.openxmlformats.org/drawingml/2006/diagram" xmlns:r="http://schemas.openxmlformats.org/officeDocument/2006/relationships" r:dm="rId3" r:lo="rId4" r:qs="rId5" r:cs="rId6"/>
           </a:graphicData>
         </a:graphic>
       </p:graphicFrame>
@@ -21170,7 +21478,7 @@
         </p:xfrm>
         <a:graphic>
           <a:graphicData uri="http://schemas.openxmlformats.org/drawingml/2006/diagram">
-            <dgm:relIds xmlns:dgm="http://schemas.openxmlformats.org/drawingml/2006/diagram" xmlns:r="http://schemas.openxmlformats.org/officeDocument/2006/relationships" r:dm="rId7" r:lo="rId8" r:qs="rId9" r:cs="rId10"/>
+            <dgm:relIds xmlns:dgm="http://schemas.openxmlformats.org/drawingml/2006/diagram" xmlns:r="http://schemas.openxmlformats.org/officeDocument/2006/relationships" r:dm="rId8" r:lo="rId9" r:qs="rId10" r:cs="rId11"/>
           </a:graphicData>
         </a:graphic>
       </p:graphicFrame>
@@ -21877,7 +22185,7 @@
         </p:xfrm>
         <a:graphic>
           <a:graphicData uri="http://schemas.openxmlformats.org/drawingml/2006/diagram">
-            <dgm:relIds xmlns:dgm="http://schemas.openxmlformats.org/drawingml/2006/diagram" xmlns:r="http://schemas.openxmlformats.org/officeDocument/2006/relationships" r:dm="rId2" r:lo="rId3" r:qs="rId4" r:cs="rId5"/>
+            <dgm:relIds xmlns:dgm="http://schemas.openxmlformats.org/drawingml/2006/diagram" xmlns:r="http://schemas.openxmlformats.org/officeDocument/2006/relationships" r:dm="rId3" r:lo="rId4" r:qs="rId5" r:cs="rId6"/>
           </a:graphicData>
         </a:graphic>
       </p:graphicFrame>
@@ -21905,7 +22213,7 @@
         </p:xfrm>
         <a:graphic>
           <a:graphicData uri="http://schemas.openxmlformats.org/drawingml/2006/diagram">
-            <dgm:relIds xmlns:dgm="http://schemas.openxmlformats.org/drawingml/2006/diagram" xmlns:r="http://schemas.openxmlformats.org/officeDocument/2006/relationships" r:dm="rId7" r:lo="rId8" r:qs="rId9" r:cs="rId10"/>
+            <dgm:relIds xmlns:dgm="http://schemas.openxmlformats.org/drawingml/2006/diagram" xmlns:r="http://schemas.openxmlformats.org/officeDocument/2006/relationships" r:dm="rId8" r:lo="rId9" r:qs="rId10" r:cs="rId11"/>
           </a:graphicData>
         </a:graphic>
       </p:graphicFrame>
@@ -24933,12 +25241,6 @@
 </file>
 
 <file path=customXml/item2.xml><?xml version="1.0" encoding="utf-8"?>
-<p:properties xmlns:p="http://schemas.microsoft.com/office/2006/metadata/properties" xmlns:xsi="http://www.w3.org/2001/XMLSchema-instance" xmlns:pc="http://schemas.microsoft.com/office/infopath/2007/PartnerControls">
-  <documentManagement/>
-</p:properties>
-</file>
-
-<file path=customXml/item3.xml><?xml version="1.0" encoding="utf-8"?>
 <ct:contentTypeSchema xmlns:ct="http://schemas.microsoft.com/office/2006/metadata/contentType" xmlns:ma="http://schemas.microsoft.com/office/2006/metadata/properties/metaAttributes" ct:_="" ma:_="" ma:contentTypeName="Document" ma:contentTypeID="0x0101003F44891551286B4DB315F9A1D994E7EA" ma:contentTypeVersion="13" ma:contentTypeDescription="Create a new document." ma:contentTypeScope="" ma:versionID="5cf6b86b383a410b8edc955b7fb1ae73">
   <xsd:schema xmlns:xsd="http://www.w3.org/2001/XMLSchema" xmlns:xs="http://www.w3.org/2001/XMLSchema" xmlns:p="http://schemas.microsoft.com/office/2006/metadata/properties" xmlns:ns3="c9e1d15d-458a-4a5e-bee6-6ec79f6db14e" xmlns:ns4="80bc47d4-6f3d-4257-93ff-ae85c0990791" targetNamespace="http://schemas.microsoft.com/office/2006/metadata/properties" ma:root="true" ma:fieldsID="da6d80c5a09ddbde2be5bd337ba2ced5" ns3:_="" ns4:_="">
     <xsd:import namespace="c9e1d15d-458a-4a5e-bee6-6ec79f6db14e"/>
@@ -25161,6 +25463,12 @@
 </ct:contentTypeSchema>
 </file>
 
+<file path=customXml/item3.xml><?xml version="1.0" encoding="utf-8"?>
+<p:properties xmlns:p="http://schemas.microsoft.com/office/2006/metadata/properties" xmlns:xsi="http://www.w3.org/2001/XMLSchema-instance" xmlns:pc="http://schemas.microsoft.com/office/infopath/2007/PartnerControls">
+  <documentManagement/>
+</p:properties>
+</file>
+
 <file path=customXml/itemProps1.xml><?xml version="1.0" encoding="utf-8"?>
 <ds:datastoreItem xmlns:ds="http://schemas.openxmlformats.org/officeDocument/2006/customXml" ds:itemID="{59C3C784-ECF7-4EF0-A938-B90302CAC4D8}">
   <ds:schemaRefs>
@@ -25170,15 +25478,6 @@
 </file>
 
 <file path=customXml/itemProps2.xml><?xml version="1.0" encoding="utf-8"?>
-<ds:datastoreItem xmlns:ds="http://schemas.openxmlformats.org/officeDocument/2006/customXml" ds:itemID="{0F929AEF-6272-4923-B3E8-DADC96929B1A}">
-  <ds:schemaRefs>
-    <ds:schemaRef ds:uri="http://schemas.microsoft.com/office/2006/metadata/properties"/>
-    <ds:schemaRef ds:uri="http://schemas.microsoft.com/office/infopath/2007/PartnerControls"/>
-  </ds:schemaRefs>
-</ds:datastoreItem>
-</file>
-
-<file path=customXml/itemProps3.xml><?xml version="1.0" encoding="utf-8"?>
 <ds:datastoreItem xmlns:ds="http://schemas.openxmlformats.org/officeDocument/2006/customXml" ds:itemID="{CD9B9787-4460-4BDE-ACF5-0E768111E370}">
   <ds:schemaRefs>
     <ds:schemaRef ds:uri="80bc47d4-6f3d-4257-93ff-ae85c0990791"/>
@@ -25195,4 +25494,13 @@
     <ds:schemaRef ds:uri="http://www.w3.org/2001/XMLSchema"/>
   </ds:schemaRefs>
 </ds:datastoreItem>
+</file>
+
+<file path=customXml/itemProps3.xml><?xml version="1.0" encoding="utf-8"?>
+<ds:datastoreItem xmlns:ds="http://schemas.openxmlformats.org/officeDocument/2006/customXml" ds:itemID="{0F929AEF-6272-4923-B3E8-DADC96929B1A}">
+  <ds:schemaRefs>
+    <ds:schemaRef ds:uri="http://schemas.microsoft.com/office/2006/metadata/properties"/>
+    <ds:schemaRef ds:uri="http://schemas.microsoft.com/office/infopath/2007/PartnerControls"/>
+  </ds:schemaRefs>
+</ds:datastoreItem>
 </file>